--- a/hackathon/FRONTEND/front_elements/imagema.pptx
+++ b/hackathon/FRONTEND/front_elements/imagema.pptx
@@ -6,6 +6,7 @@
   </p:sldMasterIdLst>
   <p:sldIdLst>
     <p:sldId id="256" r:id="rId2"/>
+    <p:sldId id="257" r:id="rId3"/>
   </p:sldIdLst>
   <p:sldSz cx="12192000" cy="6858000"/>
   <p:notesSz cx="6858000" cy="9144000"/>
@@ -104,6 +105,11 @@
       </a:defRPr>
     </a:lvl9pPr>
   </p:defaultTextStyle>
+  <p:extLst>
+    <p:ext uri="{EFAFB233-063F-42B5-8137-9DF3F51BA10A}">
+      <p15:sldGuideLst xmlns:p15="http://schemas.microsoft.com/office/powerpoint/2012/main"/>
+    </p:ext>
+  </p:extLst>
 </p:presentation>
 </file>
 
@@ -254,7 +260,7 @@
           <a:p>
             <a:fld id="{5C230EF4-1F75-46DB-864F-2952F05D1EBB}" type="datetimeFigureOut">
               <a:rPr lang="fr-FR" smtClean="0"/>
-              <a:t>04/06/2019</a:t>
+              <a:t>05/06/2019</a:t>
             </a:fld>
             <a:endParaRPr lang="fr-FR"/>
           </a:p>
@@ -452,7 +458,7 @@
           <a:p>
             <a:fld id="{5C230EF4-1F75-46DB-864F-2952F05D1EBB}" type="datetimeFigureOut">
               <a:rPr lang="fr-FR" smtClean="0"/>
-              <a:t>04/06/2019</a:t>
+              <a:t>05/06/2019</a:t>
             </a:fld>
             <a:endParaRPr lang="fr-FR"/>
           </a:p>
@@ -660,7 +666,7 @@
           <a:p>
             <a:fld id="{5C230EF4-1F75-46DB-864F-2952F05D1EBB}" type="datetimeFigureOut">
               <a:rPr lang="fr-FR" smtClean="0"/>
-              <a:t>04/06/2019</a:t>
+              <a:t>05/06/2019</a:t>
             </a:fld>
             <a:endParaRPr lang="fr-FR"/>
           </a:p>
@@ -858,7 +864,7 @@
           <a:p>
             <a:fld id="{5C230EF4-1F75-46DB-864F-2952F05D1EBB}" type="datetimeFigureOut">
               <a:rPr lang="fr-FR" smtClean="0"/>
-              <a:t>04/06/2019</a:t>
+              <a:t>05/06/2019</a:t>
             </a:fld>
             <a:endParaRPr lang="fr-FR"/>
           </a:p>
@@ -1133,7 +1139,7 @@
           <a:p>
             <a:fld id="{5C230EF4-1F75-46DB-864F-2952F05D1EBB}" type="datetimeFigureOut">
               <a:rPr lang="fr-FR" smtClean="0"/>
-              <a:t>04/06/2019</a:t>
+              <a:t>05/06/2019</a:t>
             </a:fld>
             <a:endParaRPr lang="fr-FR"/>
           </a:p>
@@ -1398,7 +1404,7 @@
           <a:p>
             <a:fld id="{5C230EF4-1F75-46DB-864F-2952F05D1EBB}" type="datetimeFigureOut">
               <a:rPr lang="fr-FR" smtClean="0"/>
-              <a:t>04/06/2019</a:t>
+              <a:t>05/06/2019</a:t>
             </a:fld>
             <a:endParaRPr lang="fr-FR"/>
           </a:p>
@@ -1810,7 +1816,7 @@
           <a:p>
             <a:fld id="{5C230EF4-1F75-46DB-864F-2952F05D1EBB}" type="datetimeFigureOut">
               <a:rPr lang="fr-FR" smtClean="0"/>
-              <a:t>04/06/2019</a:t>
+              <a:t>05/06/2019</a:t>
             </a:fld>
             <a:endParaRPr lang="fr-FR"/>
           </a:p>
@@ -1951,7 +1957,7 @@
           <a:p>
             <a:fld id="{5C230EF4-1F75-46DB-864F-2952F05D1EBB}" type="datetimeFigureOut">
               <a:rPr lang="fr-FR" smtClean="0"/>
-              <a:t>04/06/2019</a:t>
+              <a:t>05/06/2019</a:t>
             </a:fld>
             <a:endParaRPr lang="fr-FR"/>
           </a:p>
@@ -2064,7 +2070,7 @@
           <a:p>
             <a:fld id="{5C230EF4-1F75-46DB-864F-2952F05D1EBB}" type="datetimeFigureOut">
               <a:rPr lang="fr-FR" smtClean="0"/>
-              <a:t>04/06/2019</a:t>
+              <a:t>05/06/2019</a:t>
             </a:fld>
             <a:endParaRPr lang="fr-FR"/>
           </a:p>
@@ -2375,7 +2381,7 @@
           <a:p>
             <a:fld id="{5C230EF4-1F75-46DB-864F-2952F05D1EBB}" type="datetimeFigureOut">
               <a:rPr lang="fr-FR" smtClean="0"/>
-              <a:t>04/06/2019</a:t>
+              <a:t>05/06/2019</a:t>
             </a:fld>
             <a:endParaRPr lang="fr-FR"/>
           </a:p>
@@ -2663,7 +2669,7 @@
           <a:p>
             <a:fld id="{5C230EF4-1F75-46DB-864F-2952F05D1EBB}" type="datetimeFigureOut">
               <a:rPr lang="fr-FR" smtClean="0"/>
-              <a:t>04/06/2019</a:t>
+              <a:t>05/06/2019</a:t>
             </a:fld>
             <a:endParaRPr lang="fr-FR"/>
           </a:p>
@@ -2904,7 +2910,7 @@
           <a:p>
             <a:fld id="{5C230EF4-1F75-46DB-864F-2952F05D1EBB}" type="datetimeFigureOut">
               <a:rPr lang="fr-FR" smtClean="0"/>
-              <a:t>04/06/2019</a:t>
+              <a:t>05/06/2019</a:t>
             </a:fld>
             <a:endParaRPr lang="fr-FR"/>
           </a:p>
@@ -3360,10 +3366,10 @@
       </p:pic>
       <p:pic>
         <p:nvPicPr>
-          <p:cNvPr id="5" name="Image 4">
-            <a:extLst>
-              <a:ext uri="{FF2B5EF4-FFF2-40B4-BE49-F238E27FC236}">
-                <a16:creationId xmlns:a16="http://schemas.microsoft.com/office/drawing/2014/main" id="{106FF312-2806-41AB-92C6-337A2C9768CA}"/>
+          <p:cNvPr id="19" name="Image 18">
+            <a:extLst>
+              <a:ext uri="{FF2B5EF4-FFF2-40B4-BE49-F238E27FC236}">
+                <a16:creationId xmlns:a16="http://schemas.microsoft.com/office/drawing/2014/main" id="{45D12648-F166-439D-957A-E836A0605FDC}"/>
               </a:ext>
             </a:extLst>
           </p:cNvPr>
@@ -3374,6 +3380,66 @@
         </p:nvPicPr>
         <p:blipFill>
           <a:blip r:embed="rId3"/>
+          <a:stretch>
+            <a:fillRect/>
+          </a:stretch>
+        </p:blipFill>
+        <p:spPr>
+          <a:xfrm>
+            <a:off x="6538626" y="5347810"/>
+            <a:ext cx="5266277" cy="2958988"/>
+          </a:xfrm>
+          <a:prstGeom prst="rect">
+            <a:avLst/>
+          </a:prstGeom>
+        </p:spPr>
+      </p:pic>
+      <p:pic>
+        <p:nvPicPr>
+          <p:cNvPr id="18" name="Image 17">
+            <a:extLst>
+              <a:ext uri="{FF2B5EF4-FFF2-40B4-BE49-F238E27FC236}">
+                <a16:creationId xmlns:a16="http://schemas.microsoft.com/office/drawing/2014/main" id="{52B374C5-6D6E-4DE3-AC3F-F8131D23FDC7}"/>
+              </a:ext>
+            </a:extLst>
+          </p:cNvPr>
+          <p:cNvPicPr>
+            <a:picLocks noChangeAspect="1"/>
+          </p:cNvPicPr>
+          <p:nvPr/>
+        </p:nvPicPr>
+        <p:blipFill>
+          <a:blip r:embed="rId4"/>
+          <a:stretch>
+            <a:fillRect/>
+          </a:stretch>
+        </p:blipFill>
+        <p:spPr>
+          <a:xfrm>
+            <a:off x="6494128" y="-841248"/>
+            <a:ext cx="5441649" cy="4353319"/>
+          </a:xfrm>
+          <a:prstGeom prst="rect">
+            <a:avLst/>
+          </a:prstGeom>
+        </p:spPr>
+      </p:pic>
+      <p:pic>
+        <p:nvPicPr>
+          <p:cNvPr id="5" name="Image 4">
+            <a:extLst>
+              <a:ext uri="{FF2B5EF4-FFF2-40B4-BE49-F238E27FC236}">
+                <a16:creationId xmlns:a16="http://schemas.microsoft.com/office/drawing/2014/main" id="{106FF312-2806-41AB-92C6-337A2C9768CA}"/>
+              </a:ext>
+            </a:extLst>
+          </p:cNvPr>
+          <p:cNvPicPr>
+            <a:picLocks noChangeAspect="1"/>
+          </p:cNvPicPr>
+          <p:nvPr/>
+        </p:nvPicPr>
+        <p:blipFill>
+          <a:blip r:embed="rId5"/>
           <a:stretch>
             <a:fillRect/>
           </a:stretch>
@@ -3442,51 +3508,387 @@
       </p:sp>
       <p:sp>
         <p:nvSpPr>
-          <p:cNvPr id="7" name="ZoneTexte 6">
-            <a:extLst>
-              <a:ext uri="{FF2B5EF4-FFF2-40B4-BE49-F238E27FC236}">
-                <a16:creationId xmlns:a16="http://schemas.microsoft.com/office/drawing/2014/main" id="{C31F051C-0510-4468-8ACE-DCDEBD836AFC}"/>
-              </a:ext>
-            </a:extLst>
-          </p:cNvPr>
-          <p:cNvSpPr txBox="1"/>
+          <p:cNvPr id="11" name="Rectangle 10">
+            <a:extLst>
+              <a:ext uri="{FF2B5EF4-FFF2-40B4-BE49-F238E27FC236}">
+                <a16:creationId xmlns:a16="http://schemas.microsoft.com/office/drawing/2014/main" id="{17CEF297-1AE6-428B-8235-E7835D88E0C4}"/>
+              </a:ext>
+            </a:extLst>
+          </p:cNvPr>
+          <p:cNvSpPr/>
           <p:nvPr/>
         </p:nvSpPr>
         <p:spPr>
           <a:xfrm>
-            <a:off x="7877060" y="925417"/>
-            <a:ext cx="2666082" cy="1754326"/>
+            <a:off x="6570059" y="2757608"/>
+            <a:ext cx="5202936" cy="3203729"/>
+          </a:xfrm>
+          <a:prstGeom prst="rect">
+            <a:avLst/>
+          </a:prstGeom>
+          <a:solidFill>
+            <a:schemeClr val="bg1"/>
+          </a:solidFill>
+          <a:ln>
+            <a:noFill/>
+          </a:ln>
+        </p:spPr>
+        <p:style>
+          <a:lnRef idx="2">
+            <a:schemeClr val="accent1">
+              <a:shade val="50000"/>
+            </a:schemeClr>
+          </a:lnRef>
+          <a:fillRef idx="1">
+            <a:schemeClr val="accent1"/>
+          </a:fillRef>
+          <a:effectRef idx="0">
+            <a:schemeClr val="accent1"/>
+          </a:effectRef>
+          <a:fontRef idx="minor">
+            <a:schemeClr val="lt1"/>
+          </a:fontRef>
+        </p:style>
+        <p:txBody>
+          <a:bodyPr rtlCol="0" anchor="ctr"/>
+          <a:lstStyle/>
+          <a:p>
+            <a:pPr algn="ctr"/>
+            <a:endParaRPr lang="fr-FR"/>
+          </a:p>
+        </p:txBody>
+      </p:sp>
+      <p:pic>
+        <p:nvPicPr>
+          <p:cNvPr id="10" name="Image 9">
+            <a:extLst>
+              <a:ext uri="{FF2B5EF4-FFF2-40B4-BE49-F238E27FC236}">
+                <a16:creationId xmlns:a16="http://schemas.microsoft.com/office/drawing/2014/main" id="{9371BF2D-59F9-42AF-885F-E846EBD2021A}"/>
+              </a:ext>
+            </a:extLst>
+          </p:cNvPr>
+          <p:cNvPicPr>
+            <a:picLocks noChangeAspect="1"/>
+          </p:cNvPicPr>
+          <p:nvPr/>
+        </p:nvPicPr>
+        <p:blipFill>
+          <a:blip r:embed="rId6"/>
+          <a:stretch>
+            <a:fillRect/>
+          </a:stretch>
+        </p:blipFill>
+        <p:spPr>
+          <a:xfrm>
+            <a:off x="7332841" y="3162610"/>
+            <a:ext cx="3678060" cy="2389450"/>
+          </a:xfrm>
+          <a:prstGeom prst="rect">
+            <a:avLst/>
+          </a:prstGeom>
+        </p:spPr>
+      </p:pic>
+      <p:sp>
+        <p:nvSpPr>
+          <p:cNvPr id="12" name="Rectangle 11">
+            <a:extLst>
+              <a:ext uri="{FF2B5EF4-FFF2-40B4-BE49-F238E27FC236}">
+                <a16:creationId xmlns:a16="http://schemas.microsoft.com/office/drawing/2014/main" id="{327D4540-C406-488A-9C2F-639C3A8AEB2C}"/>
+              </a:ext>
+            </a:extLst>
+          </p:cNvPr>
+          <p:cNvSpPr/>
+          <p:nvPr/>
+        </p:nvSpPr>
+        <p:spPr>
+          <a:xfrm>
+            <a:off x="6465759" y="-597959"/>
+            <a:ext cx="5420298" cy="8220061"/>
           </a:xfrm>
           <a:prstGeom prst="rect">
             <a:avLst/>
           </a:prstGeom>
           <a:noFill/>
+          <a:ln w="212725">
+            <a:solidFill>
+              <a:schemeClr val="tx1"/>
+            </a:solidFill>
+          </a:ln>
         </p:spPr>
-        <p:txBody>
-          <a:bodyPr wrap="square" rtlCol="0">
-            <a:spAutoFit/>
-          </a:bodyPr>
-          <a:lstStyle/>
-          <a:p>
-            <a:r>
-              <a:rPr lang="fr-FR" sz="5400" dirty="0" err="1"/>
-              <a:t>Skills</a:t>
-            </a:r>
-            <a:endParaRPr lang="fr-FR" sz="5400" dirty="0"/>
-          </a:p>
-          <a:p>
-            <a:r>
-              <a:rPr lang="fr-FR" sz="5400" dirty="0" err="1"/>
-              <a:t>Market</a:t>
-            </a:r>
-            <a:endParaRPr lang="fr-FR" sz="5400" dirty="0"/>
-          </a:p>
-        </p:txBody>
-      </p:sp>
+        <p:style>
+          <a:lnRef idx="2">
+            <a:schemeClr val="accent1">
+              <a:shade val="50000"/>
+            </a:schemeClr>
+          </a:lnRef>
+          <a:fillRef idx="1">
+            <a:schemeClr val="accent1"/>
+          </a:fillRef>
+          <a:effectRef idx="0">
+            <a:schemeClr val="accent1"/>
+          </a:effectRef>
+          <a:fontRef idx="minor">
+            <a:schemeClr val="lt1"/>
+          </a:fontRef>
+        </p:style>
+        <p:txBody>
+          <a:bodyPr rtlCol="0" anchor="ctr"/>
+          <a:lstStyle/>
+          <a:p>
+            <a:pPr algn="ctr"/>
+            <a:endParaRPr lang="fr-FR"/>
+          </a:p>
+        </p:txBody>
+      </p:sp>
+      <p:cxnSp>
+        <p:nvCxnSpPr>
+          <p:cNvPr id="14" name="Connecteur droit 13">
+            <a:extLst>
+              <a:ext uri="{FF2B5EF4-FFF2-40B4-BE49-F238E27FC236}">
+                <a16:creationId xmlns:a16="http://schemas.microsoft.com/office/drawing/2014/main" id="{2D53026D-0590-4F64-A75F-E0146B0C23F6}"/>
+              </a:ext>
+            </a:extLst>
+          </p:cNvPr>
+          <p:cNvCxnSpPr>
+            <a:cxnSpLocks/>
+          </p:cNvCxnSpPr>
+          <p:nvPr/>
+        </p:nvCxnSpPr>
+        <p:spPr>
+          <a:xfrm>
+            <a:off x="6465759" y="2735341"/>
+            <a:ext cx="5320857" cy="0"/>
+          </a:xfrm>
+          <a:prstGeom prst="line">
+            <a:avLst/>
+          </a:prstGeom>
+          <a:ln w="57150">
+            <a:solidFill>
+              <a:schemeClr val="tx1"/>
+            </a:solidFill>
+          </a:ln>
+        </p:spPr>
+        <p:style>
+          <a:lnRef idx="1">
+            <a:schemeClr val="accent1"/>
+          </a:lnRef>
+          <a:fillRef idx="0">
+            <a:schemeClr val="accent1"/>
+          </a:fillRef>
+          <a:effectRef idx="0">
+            <a:schemeClr val="accent1"/>
+          </a:effectRef>
+          <a:fontRef idx="minor">
+            <a:schemeClr val="tx1"/>
+          </a:fontRef>
+        </p:style>
+      </p:cxnSp>
+      <p:cxnSp>
+        <p:nvCxnSpPr>
+          <p:cNvPr id="15" name="Connecteur droit 14">
+            <a:extLst>
+              <a:ext uri="{FF2B5EF4-FFF2-40B4-BE49-F238E27FC236}">
+                <a16:creationId xmlns:a16="http://schemas.microsoft.com/office/drawing/2014/main" id="{EAE81C3E-A731-4A11-B087-0CB9FAE599D4}"/>
+              </a:ext>
+            </a:extLst>
+          </p:cNvPr>
+          <p:cNvCxnSpPr>
+            <a:cxnSpLocks/>
+          </p:cNvCxnSpPr>
+          <p:nvPr/>
+        </p:nvCxnSpPr>
+        <p:spPr>
+          <a:xfrm>
+            <a:off x="6465759" y="6055676"/>
+            <a:ext cx="5322451" cy="0"/>
+          </a:xfrm>
+          <a:prstGeom prst="line">
+            <a:avLst/>
+          </a:prstGeom>
+          <a:ln w="212725">
+            <a:solidFill>
+              <a:schemeClr val="tx1"/>
+            </a:solidFill>
+          </a:ln>
+        </p:spPr>
+        <p:style>
+          <a:lnRef idx="1">
+            <a:schemeClr val="accent1"/>
+          </a:lnRef>
+          <a:fillRef idx="0">
+            <a:schemeClr val="accent1"/>
+          </a:fillRef>
+          <a:effectRef idx="0">
+            <a:schemeClr val="accent1"/>
+          </a:effectRef>
+          <a:fontRef idx="minor">
+            <a:schemeClr val="tx1"/>
+          </a:fontRef>
+        </p:style>
+      </p:cxnSp>
     </p:spTree>
     <p:extLst>
       <p:ext uri="{BB962C8B-B14F-4D97-AF65-F5344CB8AC3E}">
         <p14:creationId xmlns:p14="http://schemas.microsoft.com/office/powerpoint/2010/main" val="3348792187"/>
+      </p:ext>
+    </p:extLst>
+  </p:cSld>
+  <p:clrMapOvr>
+    <a:masterClrMapping/>
+  </p:clrMapOvr>
+</p:sld>
+</file>
+
+<file path=ppt/slides/slide2.xml><?xml version="1.0" encoding="utf-8"?>
+<p:sld xmlns:a="http://schemas.openxmlformats.org/drawingml/2006/main" xmlns:r="http://schemas.openxmlformats.org/officeDocument/2006/relationships" xmlns:p="http://schemas.openxmlformats.org/presentationml/2006/main">
+  <p:cSld>
+    <p:spTree>
+      <p:nvGrpSpPr>
+        <p:cNvPr id="1" name=""/>
+        <p:cNvGrpSpPr/>
+        <p:nvPr/>
+      </p:nvGrpSpPr>
+      <p:grpSpPr>
+        <a:xfrm>
+          <a:off x="0" y="0"/>
+          <a:ext cx="0" cy="0"/>
+          <a:chOff x="0" y="0"/>
+          <a:chExt cx="0" cy="0"/>
+        </a:xfrm>
+      </p:grpSpPr>
+      <p:pic>
+        <p:nvPicPr>
+          <p:cNvPr id="4" name="Image 3">
+            <a:extLst>
+              <a:ext uri="{FF2B5EF4-FFF2-40B4-BE49-F238E27FC236}">
+                <a16:creationId xmlns:a16="http://schemas.microsoft.com/office/drawing/2014/main" id="{1224A2F3-3BFB-403F-AD92-D379F108BB5D}"/>
+              </a:ext>
+            </a:extLst>
+          </p:cNvPr>
+          <p:cNvPicPr>
+            <a:picLocks noChangeAspect="1"/>
+          </p:cNvPicPr>
+          <p:nvPr/>
+        </p:nvPicPr>
+        <p:blipFill>
+          <a:blip r:embed="rId2"/>
+          <a:stretch>
+            <a:fillRect/>
+          </a:stretch>
+        </p:blipFill>
+        <p:spPr>
+          <a:xfrm>
+            <a:off x="0" y="0"/>
+            <a:ext cx="10287000" cy="6858000"/>
+          </a:xfrm>
+          <a:prstGeom prst="rect">
+            <a:avLst/>
+          </a:prstGeom>
+        </p:spPr>
+      </p:pic>
+      <p:sp>
+        <p:nvSpPr>
+          <p:cNvPr id="5" name="Rectangle 4">
+            <a:extLst>
+              <a:ext uri="{FF2B5EF4-FFF2-40B4-BE49-F238E27FC236}">
+                <a16:creationId xmlns:a16="http://schemas.microsoft.com/office/drawing/2014/main" id="{F7A93258-EA05-4FA4-96F6-3E4D03742AA8}"/>
+              </a:ext>
+            </a:extLst>
+          </p:cNvPr>
+          <p:cNvSpPr/>
+          <p:nvPr/>
+        </p:nvSpPr>
+        <p:spPr>
+          <a:xfrm>
+            <a:off x="0" y="0"/>
+            <a:ext cx="10287000" cy="7448193"/>
+          </a:xfrm>
+          <a:prstGeom prst="rect">
+            <a:avLst/>
+          </a:prstGeom>
+          <a:solidFill>
+            <a:schemeClr val="bg1"/>
+          </a:solidFill>
+        </p:spPr>
+        <p:txBody>
+          <a:bodyPr wrap="square" lIns="91440" tIns="45720" rIns="91440" bIns="45720">
+            <a:spAutoFit/>
+          </a:bodyPr>
+          <a:lstStyle/>
+          <a:p>
+            <a:pPr algn="ctr"/>
+            <a:r>
+              <a:rPr lang="fr-FR" sz="23900" b="1" cap="none" spc="0" dirty="0">
+                <a:ln w="38100">
+                  <a:solidFill>
+                    <a:schemeClr val="tx1"/>
+                  </a:solidFill>
+                  <a:prstDash val="solid"/>
+                </a:ln>
+                <a:blipFill dpi="0" rotWithShape="1">
+                  <a:blip r:embed="rId3">
+                    <a:extLst>
+                      <a:ext uri="{28A0092B-C50C-407E-A947-70E740481C1C}">
+                        <a14:useLocalDpi xmlns:a14="http://schemas.microsoft.com/office/drawing/2010/main" val="0"/>
+                      </a:ext>
+                    </a:extLst>
+                  </a:blip>
+                  <a:srcRect/>
+                  <a:stretch>
+                    <a:fillRect/>
+                  </a:stretch>
+                </a:blipFill>
+                <a:effectLst>
+                  <a:outerShdw blurRad="38100" dist="22860" dir="5400000" algn="tl" rotWithShape="0">
+                    <a:srgbClr val="000000">
+                      <a:alpha val="30000"/>
+                    </a:srgbClr>
+                  </a:outerShdw>
+                </a:effectLst>
+              </a:rPr>
+              <a:t>Skills</a:t>
+            </a:r>
+          </a:p>
+          <a:p>
+            <a:pPr algn="ctr"/>
+            <a:r>
+              <a:rPr lang="fr-FR" sz="23900" b="1" cap="none" spc="0" dirty="0">
+                <a:ln w="38100">
+                  <a:solidFill>
+                    <a:schemeClr val="tx1"/>
+                  </a:solidFill>
+                  <a:prstDash val="solid"/>
+                </a:ln>
+                <a:blipFill dpi="0" rotWithShape="1">
+                  <a:blip r:embed="rId3">
+                    <a:extLst>
+                      <a:ext uri="{28A0092B-C50C-407E-A947-70E740481C1C}">
+                        <a14:useLocalDpi xmlns:a14="http://schemas.microsoft.com/office/drawing/2010/main" val="0"/>
+                      </a:ext>
+                    </a:extLst>
+                  </a:blip>
+                  <a:srcRect/>
+                  <a:stretch>
+                    <a:fillRect/>
+                  </a:stretch>
+                </a:blipFill>
+                <a:effectLst>
+                  <a:outerShdw blurRad="38100" dist="22860" dir="5400000" algn="tl" rotWithShape="0">
+                    <a:srgbClr val="000000">
+                      <a:alpha val="30000"/>
+                    </a:srgbClr>
+                  </a:outerShdw>
+                </a:effectLst>
+              </a:rPr>
+              <a:t> Market</a:t>
+            </a:r>
+          </a:p>
+        </p:txBody>
+      </p:sp>
+    </p:spTree>
+    <p:extLst>
+      <p:ext uri="{BB962C8B-B14F-4D97-AF65-F5344CB8AC3E}">
+        <p14:creationId xmlns:p14="http://schemas.microsoft.com/office/powerpoint/2010/main" val="4040586441"/>
       </p:ext>
     </p:extLst>
   </p:cSld>

--- a/hackathon/FRONTEND/front_elements/imagema.pptx
+++ b/hackathon/FRONTEND/front_elements/imagema.pptx
@@ -7,6 +7,8 @@
   <p:sldIdLst>
     <p:sldId id="256" r:id="rId2"/>
     <p:sldId id="257" r:id="rId3"/>
+    <p:sldId id="258" r:id="rId4"/>
+    <p:sldId id="259" r:id="rId5"/>
   </p:sldIdLst>
   <p:sldSz cx="12192000" cy="6858000"/>
   <p:notesSz cx="6858000" cy="9144000"/>
@@ -260,7 +262,7 @@
           <a:p>
             <a:fld id="{5C230EF4-1F75-46DB-864F-2952F05D1EBB}" type="datetimeFigureOut">
               <a:rPr lang="fr-FR" smtClean="0"/>
-              <a:t>05/06/2019</a:t>
+              <a:t>14/06/2019</a:t>
             </a:fld>
             <a:endParaRPr lang="fr-FR"/>
           </a:p>
@@ -458,7 +460,7 @@
           <a:p>
             <a:fld id="{5C230EF4-1F75-46DB-864F-2952F05D1EBB}" type="datetimeFigureOut">
               <a:rPr lang="fr-FR" smtClean="0"/>
-              <a:t>05/06/2019</a:t>
+              <a:t>14/06/2019</a:t>
             </a:fld>
             <a:endParaRPr lang="fr-FR"/>
           </a:p>
@@ -666,7 +668,7 @@
           <a:p>
             <a:fld id="{5C230EF4-1F75-46DB-864F-2952F05D1EBB}" type="datetimeFigureOut">
               <a:rPr lang="fr-FR" smtClean="0"/>
-              <a:t>05/06/2019</a:t>
+              <a:t>14/06/2019</a:t>
             </a:fld>
             <a:endParaRPr lang="fr-FR"/>
           </a:p>
@@ -864,7 +866,7 @@
           <a:p>
             <a:fld id="{5C230EF4-1F75-46DB-864F-2952F05D1EBB}" type="datetimeFigureOut">
               <a:rPr lang="fr-FR" smtClean="0"/>
-              <a:t>05/06/2019</a:t>
+              <a:t>14/06/2019</a:t>
             </a:fld>
             <a:endParaRPr lang="fr-FR"/>
           </a:p>
@@ -1139,7 +1141,7 @@
           <a:p>
             <a:fld id="{5C230EF4-1F75-46DB-864F-2952F05D1EBB}" type="datetimeFigureOut">
               <a:rPr lang="fr-FR" smtClean="0"/>
-              <a:t>05/06/2019</a:t>
+              <a:t>14/06/2019</a:t>
             </a:fld>
             <a:endParaRPr lang="fr-FR"/>
           </a:p>
@@ -1404,7 +1406,7 @@
           <a:p>
             <a:fld id="{5C230EF4-1F75-46DB-864F-2952F05D1EBB}" type="datetimeFigureOut">
               <a:rPr lang="fr-FR" smtClean="0"/>
-              <a:t>05/06/2019</a:t>
+              <a:t>14/06/2019</a:t>
             </a:fld>
             <a:endParaRPr lang="fr-FR"/>
           </a:p>
@@ -1816,7 +1818,7 @@
           <a:p>
             <a:fld id="{5C230EF4-1F75-46DB-864F-2952F05D1EBB}" type="datetimeFigureOut">
               <a:rPr lang="fr-FR" smtClean="0"/>
-              <a:t>05/06/2019</a:t>
+              <a:t>14/06/2019</a:t>
             </a:fld>
             <a:endParaRPr lang="fr-FR"/>
           </a:p>
@@ -1957,7 +1959,7 @@
           <a:p>
             <a:fld id="{5C230EF4-1F75-46DB-864F-2952F05D1EBB}" type="datetimeFigureOut">
               <a:rPr lang="fr-FR" smtClean="0"/>
-              <a:t>05/06/2019</a:t>
+              <a:t>14/06/2019</a:t>
             </a:fld>
             <a:endParaRPr lang="fr-FR"/>
           </a:p>
@@ -2070,7 +2072,7 @@
           <a:p>
             <a:fld id="{5C230EF4-1F75-46DB-864F-2952F05D1EBB}" type="datetimeFigureOut">
               <a:rPr lang="fr-FR" smtClean="0"/>
-              <a:t>05/06/2019</a:t>
+              <a:t>14/06/2019</a:t>
             </a:fld>
             <a:endParaRPr lang="fr-FR"/>
           </a:p>
@@ -2381,7 +2383,7 @@
           <a:p>
             <a:fld id="{5C230EF4-1F75-46DB-864F-2952F05D1EBB}" type="datetimeFigureOut">
               <a:rPr lang="fr-FR" smtClean="0"/>
-              <a:t>05/06/2019</a:t>
+              <a:t>14/06/2019</a:t>
             </a:fld>
             <a:endParaRPr lang="fr-FR"/>
           </a:p>
@@ -2669,7 +2671,7 @@
           <a:p>
             <a:fld id="{5C230EF4-1F75-46DB-864F-2952F05D1EBB}" type="datetimeFigureOut">
               <a:rPr lang="fr-FR" smtClean="0"/>
-              <a:t>05/06/2019</a:t>
+              <a:t>14/06/2019</a:t>
             </a:fld>
             <a:endParaRPr lang="fr-FR"/>
           </a:p>
@@ -2910,7 +2912,7 @@
           <a:p>
             <a:fld id="{5C230EF4-1F75-46DB-864F-2952F05D1EBB}" type="datetimeFigureOut">
               <a:rPr lang="fr-FR" smtClean="0"/>
-              <a:t>05/06/2019</a:t>
+              <a:t>14/06/2019</a:t>
             </a:fld>
             <a:endParaRPr lang="fr-FR"/>
           </a:p>
@@ -3520,8 +3522,8 @@
         </p:nvSpPr>
         <p:spPr>
           <a:xfrm>
-            <a:off x="6570059" y="2757608"/>
-            <a:ext cx="5202936" cy="3203729"/>
+            <a:off x="6565113" y="2757608"/>
+            <a:ext cx="5224660" cy="3203729"/>
           </a:xfrm>
           <a:prstGeom prst="rect">
             <a:avLst/>
@@ -3558,36 +3560,6 @@
           </a:p>
         </p:txBody>
       </p:sp>
-      <p:pic>
-        <p:nvPicPr>
-          <p:cNvPr id="10" name="Image 9">
-            <a:extLst>
-              <a:ext uri="{FF2B5EF4-FFF2-40B4-BE49-F238E27FC236}">
-                <a16:creationId xmlns:a16="http://schemas.microsoft.com/office/drawing/2014/main" id="{9371BF2D-59F9-42AF-885F-E846EBD2021A}"/>
-              </a:ext>
-            </a:extLst>
-          </p:cNvPr>
-          <p:cNvPicPr>
-            <a:picLocks noChangeAspect="1"/>
-          </p:cNvPicPr>
-          <p:nvPr/>
-        </p:nvPicPr>
-        <p:blipFill>
-          <a:blip r:embed="rId6"/>
-          <a:stretch>
-            <a:fillRect/>
-          </a:stretch>
-        </p:blipFill>
-        <p:spPr>
-          <a:xfrm>
-            <a:off x="7332841" y="3162610"/>
-            <a:ext cx="3678060" cy="2389450"/>
-          </a:xfrm>
-          <a:prstGeom prst="rect">
-            <a:avLst/>
-          </a:prstGeom>
-        </p:spPr>
-      </p:pic>
       <p:sp>
         <p:nvSpPr>
           <p:cNvPr id="12" name="Rectangle 11">
@@ -3726,6 +3698,36 @@
           </a:fontRef>
         </p:style>
       </p:cxnSp>
+      <p:pic>
+        <p:nvPicPr>
+          <p:cNvPr id="2" name="Image 1">
+            <a:extLst>
+              <a:ext uri="{FF2B5EF4-FFF2-40B4-BE49-F238E27FC236}">
+                <a16:creationId xmlns:a16="http://schemas.microsoft.com/office/drawing/2014/main" id="{6ADF318D-E59C-4E86-BDF5-C1886EB5BCC3}"/>
+              </a:ext>
+            </a:extLst>
+          </p:cNvPr>
+          <p:cNvPicPr>
+            <a:picLocks noChangeAspect="1"/>
+          </p:cNvPicPr>
+          <p:nvPr/>
+        </p:nvPicPr>
+        <p:blipFill>
+          <a:blip r:embed="rId6"/>
+          <a:stretch>
+            <a:fillRect/>
+          </a:stretch>
+        </p:blipFill>
+        <p:spPr>
+          <a:xfrm>
+            <a:off x="6647322" y="3330735"/>
+            <a:ext cx="5117284" cy="1969225"/>
+          </a:xfrm>
+          <a:prstGeom prst="rect">
+            <a:avLst/>
+          </a:prstGeom>
+        </p:spPr>
+      </p:pic>
     </p:spTree>
     <p:extLst>
       <p:ext uri="{BB962C8B-B14F-4D97-AF65-F5344CB8AC3E}">
@@ -3800,8 +3802,8 @@
         </p:nvSpPr>
         <p:spPr>
           <a:xfrm>
-            <a:off x="0" y="0"/>
-            <a:ext cx="10287000" cy="7448193"/>
+            <a:off x="-1" y="0"/>
+            <a:ext cx="13681817" cy="5201424"/>
           </a:xfrm>
           <a:prstGeom prst="rect">
             <a:avLst/>
@@ -3818,7 +3820,7 @@
           <a:p>
             <a:pPr algn="ctr"/>
             <a:r>
-              <a:rPr lang="fr-FR" sz="23900" b="1" cap="none" spc="0" dirty="0">
+              <a:rPr lang="fr-FR" sz="16600" b="1" cap="none" spc="0" dirty="0">
                 <a:ln w="38100">
                   <a:solidFill>
                     <a:schemeClr val="tx1"/>
@@ -3846,41 +3848,7 @@
                   </a:outerShdw>
                 </a:effectLst>
               </a:rPr>
-              <a:t>Skills</a:t>
-            </a:r>
-          </a:p>
-          <a:p>
-            <a:pPr algn="ctr"/>
-            <a:r>
-              <a:rPr lang="fr-FR" sz="23900" b="1" cap="none" spc="0" dirty="0">
-                <a:ln w="38100">
-                  <a:solidFill>
-                    <a:schemeClr val="tx1"/>
-                  </a:solidFill>
-                  <a:prstDash val="solid"/>
-                </a:ln>
-                <a:blipFill dpi="0" rotWithShape="1">
-                  <a:blip r:embed="rId3">
-                    <a:extLst>
-                      <a:ext uri="{28A0092B-C50C-407E-A947-70E740481C1C}">
-                        <a14:useLocalDpi xmlns:a14="http://schemas.microsoft.com/office/drawing/2010/main" val="0"/>
-                      </a:ext>
-                    </a:extLst>
-                  </a:blip>
-                  <a:srcRect/>
-                  <a:stretch>
-                    <a:fillRect/>
-                  </a:stretch>
-                </a:blipFill>
-                <a:effectLst>
-                  <a:outerShdw blurRad="38100" dist="22860" dir="5400000" algn="tl" rotWithShape="0">
-                    <a:srgbClr val="000000">
-                      <a:alpha val="30000"/>
-                    </a:srgbClr>
-                  </a:outerShdw>
-                </a:effectLst>
-              </a:rPr>
-              <a:t> Market</a:t>
+              <a:t>Marché des compétences</a:t>
             </a:r>
           </a:p>
         </p:txBody>
@@ -3889,6 +3857,268 @@
     <p:extLst>
       <p:ext uri="{BB962C8B-B14F-4D97-AF65-F5344CB8AC3E}">
         <p14:creationId xmlns:p14="http://schemas.microsoft.com/office/powerpoint/2010/main" val="4040586441"/>
+      </p:ext>
+    </p:extLst>
+  </p:cSld>
+  <p:clrMapOvr>
+    <a:masterClrMapping/>
+  </p:clrMapOvr>
+</p:sld>
+</file>
+
+<file path=ppt/slides/slide3.xml><?xml version="1.0" encoding="utf-8"?>
+<p:sld xmlns:a="http://schemas.openxmlformats.org/drawingml/2006/main" xmlns:r="http://schemas.openxmlformats.org/officeDocument/2006/relationships" xmlns:p="http://schemas.openxmlformats.org/presentationml/2006/main">
+  <p:cSld>
+    <p:bg>
+      <p:bgPr>
+        <a:solidFill>
+          <a:schemeClr val="bg1"/>
+        </a:solidFill>
+        <a:effectLst/>
+      </p:bgPr>
+    </p:bg>
+    <p:spTree>
+      <p:nvGrpSpPr>
+        <p:cNvPr id="1" name=""/>
+        <p:cNvGrpSpPr/>
+        <p:nvPr/>
+      </p:nvGrpSpPr>
+      <p:grpSpPr>
+        <a:xfrm>
+          <a:off x="0" y="0"/>
+          <a:ext cx="0" cy="0"/>
+          <a:chOff x="0" y="0"/>
+          <a:chExt cx="0" cy="0"/>
+        </a:xfrm>
+      </p:grpSpPr>
+      <p:sp>
+        <p:nvSpPr>
+          <p:cNvPr id="19" name="Rectangle 18">
+            <a:extLst>
+              <a:ext uri="{FF2B5EF4-FFF2-40B4-BE49-F238E27FC236}">
+                <a16:creationId xmlns:a16="http://schemas.microsoft.com/office/drawing/2014/main" id="{D8D2004D-42FC-4D02-BF00-C1BDDC65F7B5}"/>
+              </a:ext>
+            </a:extLst>
+          </p:cNvPr>
+          <p:cNvSpPr/>
+          <p:nvPr/>
+        </p:nvSpPr>
+        <p:spPr>
+          <a:xfrm>
+            <a:off x="0" y="0"/>
+            <a:ext cx="12192000" cy="6858000"/>
+          </a:xfrm>
+          <a:prstGeom prst="rect">
+            <a:avLst/>
+          </a:prstGeom>
+          <a:solidFill>
+            <a:schemeClr val="bg1">
+              <a:lumMod val="65000"/>
+            </a:schemeClr>
+          </a:solidFill>
+        </p:spPr>
+        <p:style>
+          <a:lnRef idx="2">
+            <a:schemeClr val="accent1">
+              <a:shade val="50000"/>
+            </a:schemeClr>
+          </a:lnRef>
+          <a:fillRef idx="1">
+            <a:schemeClr val="accent1"/>
+          </a:fillRef>
+          <a:effectRef idx="0">
+            <a:schemeClr val="accent1"/>
+          </a:effectRef>
+          <a:fontRef idx="minor">
+            <a:schemeClr val="lt1"/>
+          </a:fontRef>
+        </p:style>
+        <p:txBody>
+          <a:bodyPr rtlCol="0" anchor="ctr"/>
+          <a:lstStyle/>
+          <a:p>
+            <a:pPr algn="ctr"/>
+            <a:endParaRPr lang="fr-FR"/>
+          </a:p>
+        </p:txBody>
+      </p:sp>
+      <p:pic>
+        <p:nvPicPr>
+          <p:cNvPr id="14" name="Graphique 13">
+            <a:extLst>
+              <a:ext uri="{FF2B5EF4-FFF2-40B4-BE49-F238E27FC236}">
+                <a16:creationId xmlns:a16="http://schemas.microsoft.com/office/drawing/2014/main" id="{1F825571-7F13-4C92-AD5B-A0DD8465524B}"/>
+              </a:ext>
+            </a:extLst>
+          </p:cNvPr>
+          <p:cNvPicPr>
+            <a:picLocks noChangeAspect="1"/>
+          </p:cNvPicPr>
+          <p:nvPr/>
+        </p:nvPicPr>
+        <p:blipFill>
+          <a:blip r:embed="rId2">
+            <a:extLst>
+              <a:ext uri="{28A0092B-C50C-407E-A947-70E740481C1C}">
+                <a14:useLocalDpi xmlns:a14="http://schemas.microsoft.com/office/drawing/2010/main" val="0"/>
+              </a:ext>
+              <a:ext uri="{96DAC541-7B7A-43D3-8B79-37D633B846F1}">
+                <asvg:svgBlip xmlns:asvg="http://schemas.microsoft.com/office/drawing/2016/SVG/main" r:embed="rId3"/>
+              </a:ext>
+            </a:extLst>
+          </a:blip>
+          <a:stretch>
+            <a:fillRect/>
+          </a:stretch>
+        </p:blipFill>
+        <p:spPr>
+          <a:xfrm>
+            <a:off x="4618652" y="1423052"/>
+            <a:ext cx="6789576" cy="4800466"/>
+          </a:xfrm>
+          <a:prstGeom prst="rect">
+            <a:avLst/>
+          </a:prstGeom>
+        </p:spPr>
+      </p:pic>
+    </p:spTree>
+    <p:extLst>
+      <p:ext uri="{BB962C8B-B14F-4D97-AF65-F5344CB8AC3E}">
+        <p14:creationId xmlns:p14="http://schemas.microsoft.com/office/powerpoint/2010/main" val="2077091125"/>
+      </p:ext>
+    </p:extLst>
+  </p:cSld>
+  <p:clrMapOvr>
+    <a:masterClrMapping/>
+  </p:clrMapOvr>
+</p:sld>
+</file>
+
+<file path=ppt/slides/slide4.xml><?xml version="1.0" encoding="utf-8"?>
+<p:sld xmlns:a="http://schemas.openxmlformats.org/drawingml/2006/main" xmlns:r="http://schemas.openxmlformats.org/officeDocument/2006/relationships" xmlns:p="http://schemas.openxmlformats.org/presentationml/2006/main">
+  <p:cSld>
+    <p:bg>
+      <p:bgPr>
+        <a:solidFill>
+          <a:schemeClr val="bg1"/>
+        </a:solidFill>
+        <a:effectLst/>
+      </p:bgPr>
+    </p:bg>
+    <p:spTree>
+      <p:nvGrpSpPr>
+        <p:cNvPr id="1" name=""/>
+        <p:cNvGrpSpPr/>
+        <p:nvPr/>
+      </p:nvGrpSpPr>
+      <p:grpSpPr>
+        <a:xfrm>
+          <a:off x="0" y="0"/>
+          <a:ext cx="0" cy="0"/>
+          <a:chOff x="0" y="0"/>
+          <a:chExt cx="0" cy="0"/>
+        </a:xfrm>
+      </p:grpSpPr>
+      <p:sp>
+        <p:nvSpPr>
+          <p:cNvPr id="19" name="Rectangle 18">
+            <a:extLst>
+              <a:ext uri="{FF2B5EF4-FFF2-40B4-BE49-F238E27FC236}">
+                <a16:creationId xmlns:a16="http://schemas.microsoft.com/office/drawing/2014/main" id="{D8D2004D-42FC-4D02-BF00-C1BDDC65F7B5}"/>
+              </a:ext>
+            </a:extLst>
+          </p:cNvPr>
+          <p:cNvSpPr/>
+          <p:nvPr/>
+        </p:nvSpPr>
+        <p:spPr>
+          <a:xfrm>
+            <a:off x="0" y="0"/>
+            <a:ext cx="12192000" cy="6858000"/>
+          </a:xfrm>
+          <a:prstGeom prst="rect">
+            <a:avLst/>
+          </a:prstGeom>
+          <a:solidFill>
+            <a:schemeClr val="tx1"/>
+          </a:solidFill>
+        </p:spPr>
+        <p:style>
+          <a:lnRef idx="2">
+            <a:schemeClr val="accent1">
+              <a:shade val="50000"/>
+            </a:schemeClr>
+          </a:lnRef>
+          <a:fillRef idx="1">
+            <a:schemeClr val="accent1"/>
+          </a:fillRef>
+          <a:effectRef idx="0">
+            <a:schemeClr val="accent1"/>
+          </a:effectRef>
+          <a:fontRef idx="minor">
+            <a:schemeClr val="lt1"/>
+          </a:fontRef>
+        </p:style>
+        <p:txBody>
+          <a:bodyPr rtlCol="0" anchor="ctr"/>
+          <a:lstStyle/>
+          <a:p>
+            <a:pPr algn="ctr"/>
+            <a:endParaRPr lang="fr-FR"/>
+          </a:p>
+        </p:txBody>
+      </p:sp>
+      <p:pic>
+        <p:nvPicPr>
+          <p:cNvPr id="2050" name="Picture 2" descr="RÃ©sultat de recherche d'images pour &quot;i want you&quot;">
+            <a:extLst>
+              <a:ext uri="{FF2B5EF4-FFF2-40B4-BE49-F238E27FC236}">
+                <a16:creationId xmlns:a16="http://schemas.microsoft.com/office/drawing/2014/main" id="{C7ECF1AD-FA9F-4533-990E-F75CCC630A94}"/>
+              </a:ext>
+            </a:extLst>
+          </p:cNvPr>
+          <p:cNvPicPr>
+            <a:picLocks noChangeAspect="1" noChangeArrowheads="1"/>
+          </p:cNvPicPr>
+          <p:nvPr/>
+        </p:nvPicPr>
+        <p:blipFill>
+          <a:blip r:embed="rId2">
+            <a:extLst>
+              <a:ext uri="{28A0092B-C50C-407E-A947-70E740481C1C}">
+                <a14:useLocalDpi xmlns:a14="http://schemas.microsoft.com/office/drawing/2010/main" val="0"/>
+              </a:ext>
+            </a:extLst>
+          </a:blip>
+          <a:srcRect/>
+          <a:stretch>
+            <a:fillRect/>
+          </a:stretch>
+        </p:blipFill>
+        <p:spPr bwMode="auto">
+          <a:xfrm>
+            <a:off x="6510435" y="1222311"/>
+            <a:ext cx="3971947" cy="5337110"/>
+          </a:xfrm>
+          <a:prstGeom prst="rect">
+            <a:avLst/>
+          </a:prstGeom>
+          <a:noFill/>
+          <a:extLst>
+            <a:ext uri="{909E8E84-426E-40DD-AFC4-6F175D3DCCD1}">
+              <a14:hiddenFill xmlns:a14="http://schemas.microsoft.com/office/drawing/2010/main">
+                <a:solidFill>
+                  <a:srgbClr val="FFFFFF"/>
+                </a:solidFill>
+              </a14:hiddenFill>
+            </a:ext>
+          </a:extLst>
+        </p:spPr>
+      </p:pic>
+    </p:spTree>
+    <p:extLst>
+      <p:ext uri="{BB962C8B-B14F-4D97-AF65-F5344CB8AC3E}">
+        <p14:creationId xmlns:p14="http://schemas.microsoft.com/office/powerpoint/2010/main" val="1598894100"/>
       </p:ext>
     </p:extLst>
   </p:cSld>
